--- a/pic.pptx
+++ b/pic.pptx
@@ -192,7 +192,7 @@
           <a:p>
             <a:fld id="{86094466-E15E-4393-BF68-9726D47EBD48}" type="datetimeFigureOut">
               <a:rPr lang="de-CH" smtClean="0"/>
-              <a:t>15.03.2015</a:t>
+              <a:t>29.03.2015</a:t>
             </a:fld>
             <a:endParaRPr lang="de-CH"/>
           </a:p>
@@ -725,7 +725,7 @@
           <a:p>
             <a:fld id="{EBCDFFF2-8927-4906-A981-3D2E8CD0C05F}" type="datetimeFigureOut">
               <a:rPr lang="de-CH" smtClean="0"/>
-              <a:t>15.03.2015</a:t>
+              <a:t>29.03.2015</a:t>
             </a:fld>
             <a:endParaRPr lang="de-CH"/>
           </a:p>
@@ -895,7 +895,7 @@
           <a:p>
             <a:fld id="{EBCDFFF2-8927-4906-A981-3D2E8CD0C05F}" type="datetimeFigureOut">
               <a:rPr lang="de-CH" smtClean="0"/>
-              <a:t>15.03.2015</a:t>
+              <a:t>29.03.2015</a:t>
             </a:fld>
             <a:endParaRPr lang="de-CH"/>
           </a:p>
@@ -1075,7 +1075,7 @@
           <a:p>
             <a:fld id="{EBCDFFF2-8927-4906-A981-3D2E8CD0C05F}" type="datetimeFigureOut">
               <a:rPr lang="de-CH" smtClean="0"/>
-              <a:t>15.03.2015</a:t>
+              <a:t>29.03.2015</a:t>
             </a:fld>
             <a:endParaRPr lang="de-CH"/>
           </a:p>
@@ -1245,7 +1245,7 @@
           <a:p>
             <a:fld id="{EBCDFFF2-8927-4906-A981-3D2E8CD0C05F}" type="datetimeFigureOut">
               <a:rPr lang="de-CH" smtClean="0"/>
-              <a:t>15.03.2015</a:t>
+              <a:t>29.03.2015</a:t>
             </a:fld>
             <a:endParaRPr lang="de-CH"/>
           </a:p>
@@ -1491,7 +1491,7 @@
           <a:p>
             <a:fld id="{EBCDFFF2-8927-4906-A981-3D2E8CD0C05F}" type="datetimeFigureOut">
               <a:rPr lang="de-CH" smtClean="0"/>
-              <a:t>15.03.2015</a:t>
+              <a:t>29.03.2015</a:t>
             </a:fld>
             <a:endParaRPr lang="de-CH"/>
           </a:p>
@@ -1779,7 +1779,7 @@
           <a:p>
             <a:fld id="{EBCDFFF2-8927-4906-A981-3D2E8CD0C05F}" type="datetimeFigureOut">
               <a:rPr lang="de-CH" smtClean="0"/>
-              <a:t>15.03.2015</a:t>
+              <a:t>29.03.2015</a:t>
             </a:fld>
             <a:endParaRPr lang="de-CH"/>
           </a:p>
@@ -2201,7 +2201,7 @@
           <a:p>
             <a:fld id="{EBCDFFF2-8927-4906-A981-3D2E8CD0C05F}" type="datetimeFigureOut">
               <a:rPr lang="de-CH" smtClean="0"/>
-              <a:t>15.03.2015</a:t>
+              <a:t>29.03.2015</a:t>
             </a:fld>
             <a:endParaRPr lang="de-CH"/>
           </a:p>
@@ -2319,7 +2319,7 @@
           <a:p>
             <a:fld id="{EBCDFFF2-8927-4906-A981-3D2E8CD0C05F}" type="datetimeFigureOut">
               <a:rPr lang="de-CH" smtClean="0"/>
-              <a:t>15.03.2015</a:t>
+              <a:t>29.03.2015</a:t>
             </a:fld>
             <a:endParaRPr lang="de-CH"/>
           </a:p>
@@ -2414,7 +2414,7 @@
           <a:p>
             <a:fld id="{EBCDFFF2-8927-4906-A981-3D2E8CD0C05F}" type="datetimeFigureOut">
               <a:rPr lang="de-CH" smtClean="0"/>
-              <a:t>15.03.2015</a:t>
+              <a:t>29.03.2015</a:t>
             </a:fld>
             <a:endParaRPr lang="de-CH"/>
           </a:p>
@@ -2691,7 +2691,7 @@
           <a:p>
             <a:fld id="{EBCDFFF2-8927-4906-A981-3D2E8CD0C05F}" type="datetimeFigureOut">
               <a:rPr lang="de-CH" smtClean="0"/>
-              <a:t>15.03.2015</a:t>
+              <a:t>29.03.2015</a:t>
             </a:fld>
             <a:endParaRPr lang="de-CH"/>
           </a:p>
@@ -2944,7 +2944,7 @@
           <a:p>
             <a:fld id="{EBCDFFF2-8927-4906-A981-3D2E8CD0C05F}" type="datetimeFigureOut">
               <a:rPr lang="de-CH" smtClean="0"/>
-              <a:t>15.03.2015</a:t>
+              <a:t>29.03.2015</a:t>
             </a:fld>
             <a:endParaRPr lang="de-CH"/>
           </a:p>
@@ -3157,7 +3157,7 @@
           <a:p>
             <a:fld id="{EBCDFFF2-8927-4906-A981-3D2E8CD0C05F}" type="datetimeFigureOut">
               <a:rPr lang="de-CH" smtClean="0"/>
-              <a:t>15.03.2015</a:t>
+              <a:t>29.03.2015</a:t>
             </a:fld>
             <a:endParaRPr lang="de-CH"/>
           </a:p>
@@ -4374,9 +4374,9 @@
             <a:avLst/>
           </a:prstGeom>
           <a:solidFill>
-            <a:schemeClr val="bg1">
-              <a:lumMod val="50000"/>
-            </a:schemeClr>
+            <a:srgbClr val="953735">
+              <a:alpha val="34118"/>
+            </a:srgbClr>
           </a:solidFill>
           <a:ln>
             <a:solidFill>
@@ -4417,16 +4417,16 @@
         </p:nvSpPr>
         <p:spPr>
           <a:xfrm>
-            <a:off x="3241365" y="4498554"/>
-            <a:ext cx="1767935" cy="1944216"/>
+            <a:off x="1892089" y="4498554"/>
+            <a:ext cx="3760031" cy="1944216"/>
           </a:xfrm>
           <a:prstGeom prst="ellipse">
             <a:avLst/>
           </a:prstGeom>
           <a:solidFill>
-            <a:schemeClr val="bg1">
-              <a:lumMod val="50000"/>
-            </a:schemeClr>
+            <a:srgbClr val="4F6228">
+              <a:alpha val="40000"/>
+            </a:srgbClr>
           </a:solidFill>
           <a:ln>
             <a:solidFill>
@@ -4634,14 +4634,7 @@
                 <a:latin typeface="Times New Roman" panose="02020603050405020304" pitchFamily="18" charset="0"/>
                 <a:cs typeface="Times New Roman" panose="02020603050405020304" pitchFamily="18" charset="0"/>
               </a:rPr>
-              <a:t>r</a:t>
-            </a:r>
-            <a:r>
-              <a:rPr lang="de-CH" sz="2000" dirty="0" smtClean="0">
-                <a:latin typeface="Times New Roman" panose="02020603050405020304" pitchFamily="18" charset="0"/>
-                <a:cs typeface="Times New Roman" panose="02020603050405020304" pitchFamily="18" charset="0"/>
-              </a:rPr>
-              <a:t>ead</a:t>
+              <a:t>read</a:t>
             </a:r>
           </a:p>
           <a:p>
@@ -4710,9 +4703,9 @@
             <a:avLst/>
           </a:prstGeom>
           <a:solidFill>
-            <a:schemeClr val="bg1">
-              <a:lumMod val="50000"/>
-            </a:schemeClr>
+            <a:srgbClr val="FFFF00">
+              <a:alpha val="40000"/>
+            </a:srgbClr>
           </a:solidFill>
           <a:ln>
             <a:solidFill>
@@ -4792,16 +4785,16 @@
         </p:nvSpPr>
         <p:spPr>
           <a:xfrm>
-            <a:off x="6757791" y="4309227"/>
-            <a:ext cx="1460549" cy="1368152"/>
+            <a:off x="6516217" y="4309227"/>
+            <a:ext cx="1702124" cy="1368152"/>
           </a:xfrm>
           <a:prstGeom prst="ellipse">
             <a:avLst/>
           </a:prstGeom>
           <a:solidFill>
-            <a:schemeClr val="bg1">
-              <a:lumMod val="50000"/>
-            </a:schemeClr>
+            <a:srgbClr val="1F497D">
+              <a:alpha val="40000"/>
+            </a:srgbClr>
           </a:solidFill>
           <a:ln>
             <a:solidFill>
@@ -4884,8 +4877,8 @@
         </p:nvCxnSpPr>
         <p:spPr>
           <a:xfrm flipH="1">
-            <a:off x="7488066" y="1926382"/>
-            <a:ext cx="149049" cy="2382845"/>
+            <a:off x="7367279" y="1926382"/>
+            <a:ext cx="269836" cy="2382845"/>
           </a:xfrm>
           <a:prstGeom prst="straightConnector1">
             <a:avLst/>
@@ -4940,14 +4933,7 @@
                 <a:latin typeface="Times New Roman" panose="02020603050405020304" pitchFamily="18" charset="0"/>
                 <a:cs typeface="Times New Roman" panose="02020603050405020304" pitchFamily="18" charset="0"/>
               </a:rPr>
-              <a:t>c</a:t>
-            </a:r>
-            <a:r>
-              <a:rPr lang="de-CH" sz="2000" dirty="0" smtClean="0">
-                <a:latin typeface="Times New Roman" panose="02020603050405020304" pitchFamily="18" charset="0"/>
-                <a:cs typeface="Times New Roman" panose="02020603050405020304" pitchFamily="18" charset="0"/>
-              </a:rPr>
-              <a:t>ond.</a:t>
+              <a:t>cond.</a:t>
             </a:r>
           </a:p>
           <a:p>
